--- a/电力系统脆弱性研究/电力系统脆弱性研究.pptx
+++ b/电力系统脆弱性研究/电力系统脆弱性研究.pptx
@@ -39,6 +39,7 @@
     <p:sldId id="285" r:id="rId33"/>
     <p:sldId id="288" r:id="rId34"/>
     <p:sldId id="289" r:id="rId35"/>
+    <p:sldId id="290" r:id="rId36"/>
   </p:sldIdLst>
   <p:sldSz cx="12192000" cy="6858000"/>
   <p:notesSz cx="6858000" cy="9144000"/>
@@ -276,7 +277,7 @@
           <a:p>
             <a:fld id="{B14EACBE-21B6-4337-87E4-6179AEAE3952}" type="datetimeFigureOut">
               <a:rPr lang="zh-CN" altLang="en-US" smtClean="0"/>
-              <a:t>2019/06/21</a:t>
+              <a:t>2019/06/23</a:t>
             </a:fld>
             <a:endParaRPr lang="zh-CN" altLang="en-US"/>
           </a:p>
@@ -446,7 +447,7 @@
           <a:p>
             <a:fld id="{B14EACBE-21B6-4337-87E4-6179AEAE3952}" type="datetimeFigureOut">
               <a:rPr lang="zh-CN" altLang="en-US" smtClean="0"/>
-              <a:t>2019/06/21</a:t>
+              <a:t>2019/06/23</a:t>
             </a:fld>
             <a:endParaRPr lang="zh-CN" altLang="en-US"/>
           </a:p>
@@ -626,7 +627,7 @@
           <a:p>
             <a:fld id="{B14EACBE-21B6-4337-87E4-6179AEAE3952}" type="datetimeFigureOut">
               <a:rPr lang="zh-CN" altLang="en-US" smtClean="0"/>
-              <a:t>2019/06/21</a:t>
+              <a:t>2019/06/23</a:t>
             </a:fld>
             <a:endParaRPr lang="zh-CN" altLang="en-US"/>
           </a:p>
@@ -796,7 +797,7 @@
           <a:p>
             <a:fld id="{B14EACBE-21B6-4337-87E4-6179AEAE3952}" type="datetimeFigureOut">
               <a:rPr lang="zh-CN" altLang="en-US" smtClean="0"/>
-              <a:t>2019/06/21</a:t>
+              <a:t>2019/06/23</a:t>
             </a:fld>
             <a:endParaRPr lang="zh-CN" altLang="en-US"/>
           </a:p>
@@ -1042,7 +1043,7 @@
           <a:p>
             <a:fld id="{B14EACBE-21B6-4337-87E4-6179AEAE3952}" type="datetimeFigureOut">
               <a:rPr lang="zh-CN" altLang="en-US" smtClean="0"/>
-              <a:t>2019/06/21</a:t>
+              <a:t>2019/06/23</a:t>
             </a:fld>
             <a:endParaRPr lang="zh-CN" altLang="en-US"/>
           </a:p>
@@ -1274,7 +1275,7 @@
           <a:p>
             <a:fld id="{B14EACBE-21B6-4337-87E4-6179AEAE3952}" type="datetimeFigureOut">
               <a:rPr lang="zh-CN" altLang="en-US" smtClean="0"/>
-              <a:t>2019/06/21</a:t>
+              <a:t>2019/06/23</a:t>
             </a:fld>
             <a:endParaRPr lang="zh-CN" altLang="en-US"/>
           </a:p>
@@ -1641,7 +1642,7 @@
           <a:p>
             <a:fld id="{B14EACBE-21B6-4337-87E4-6179AEAE3952}" type="datetimeFigureOut">
               <a:rPr lang="zh-CN" altLang="en-US" smtClean="0"/>
-              <a:t>2019/06/21</a:t>
+              <a:t>2019/06/23</a:t>
             </a:fld>
             <a:endParaRPr lang="zh-CN" altLang="en-US"/>
           </a:p>
@@ -1759,7 +1760,7 @@
           <a:p>
             <a:fld id="{B14EACBE-21B6-4337-87E4-6179AEAE3952}" type="datetimeFigureOut">
               <a:rPr lang="zh-CN" altLang="en-US" smtClean="0"/>
-              <a:t>2019/06/21</a:t>
+              <a:t>2019/06/23</a:t>
             </a:fld>
             <a:endParaRPr lang="zh-CN" altLang="en-US"/>
           </a:p>
@@ -1854,7 +1855,7 @@
           <a:p>
             <a:fld id="{B14EACBE-21B6-4337-87E4-6179AEAE3952}" type="datetimeFigureOut">
               <a:rPr lang="zh-CN" altLang="en-US" smtClean="0"/>
-              <a:t>2019/06/21</a:t>
+              <a:t>2019/06/23</a:t>
             </a:fld>
             <a:endParaRPr lang="zh-CN" altLang="en-US"/>
           </a:p>
@@ -2131,7 +2132,7 @@
           <a:p>
             <a:fld id="{B14EACBE-21B6-4337-87E4-6179AEAE3952}" type="datetimeFigureOut">
               <a:rPr lang="zh-CN" altLang="en-US" smtClean="0"/>
-              <a:t>2019/06/21</a:t>
+              <a:t>2019/06/23</a:t>
             </a:fld>
             <a:endParaRPr lang="zh-CN" altLang="en-US"/>
           </a:p>
@@ -2384,7 +2385,7 @@
           <a:p>
             <a:fld id="{B14EACBE-21B6-4337-87E4-6179AEAE3952}" type="datetimeFigureOut">
               <a:rPr lang="zh-CN" altLang="en-US" smtClean="0"/>
-              <a:t>2019/06/21</a:t>
+              <a:t>2019/06/23</a:t>
             </a:fld>
             <a:endParaRPr lang="zh-CN" altLang="en-US"/>
           </a:p>
@@ -2597,7 +2598,7 @@
           <a:p>
             <a:fld id="{B14EACBE-21B6-4337-87E4-6179AEAE3952}" type="datetimeFigureOut">
               <a:rPr lang="zh-CN" altLang="en-US" smtClean="0"/>
-              <a:t>2019/06/21</a:t>
+              <a:t>2019/06/23</a:t>
             </a:fld>
             <a:endParaRPr lang="zh-CN" altLang="en-US"/>
           </a:p>
@@ -3742,7 +3743,7 @@
           <a:graphicData uri="http://schemas.openxmlformats.org/presentationml/2006/ole">
             <mc:AlternateContent xmlns:mc="http://schemas.openxmlformats.org/markup-compatibility/2006">
               <mc:Choice xmlns:v="urn:schemas-microsoft-com:vml" Requires="v">
-                <p:oleObj spid="_x0000_s2667" name="Equation" r:id="rId3" imgW="139680" imgH="177480" progId="Equation.DSMT4">
+                <p:oleObj spid="_x0000_s2683" name="Equation" r:id="rId3" imgW="139680" imgH="177480" progId="Equation.DSMT4">
                   <p:embed/>
                 </p:oleObj>
               </mc:Choice>
@@ -3799,7 +3800,7 @@
           <a:graphicData uri="http://schemas.openxmlformats.org/presentationml/2006/ole">
             <mc:AlternateContent xmlns:mc="http://schemas.openxmlformats.org/markup-compatibility/2006">
               <mc:Choice xmlns:v="urn:schemas-microsoft-com:vml" Requires="v">
-                <p:oleObj spid="_x0000_s2668" name="Equation" r:id="rId5" imgW="126720" imgH="139680" progId="Equation.DSMT4">
+                <p:oleObj spid="_x0000_s2684" name="Equation" r:id="rId5" imgW="126720" imgH="139680" progId="Equation.DSMT4">
                   <p:embed/>
                 </p:oleObj>
               </mc:Choice>
@@ -3856,7 +3857,7 @@
           <a:graphicData uri="http://schemas.openxmlformats.org/presentationml/2006/ole">
             <mc:AlternateContent xmlns:mc="http://schemas.openxmlformats.org/markup-compatibility/2006">
               <mc:Choice xmlns:v="urn:schemas-microsoft-com:vml" Requires="v">
-                <p:oleObj spid="_x0000_s2669" name="Equation" r:id="rId7" imgW="939600" imgH="228600" progId="Equation.DSMT4">
+                <p:oleObj spid="_x0000_s2685" name="Equation" r:id="rId7" imgW="939600" imgH="228600" progId="Equation.DSMT4">
                   <p:embed/>
                 </p:oleObj>
               </mc:Choice>
@@ -3913,7 +3914,7 @@
           <a:graphicData uri="http://schemas.openxmlformats.org/presentationml/2006/ole">
             <mc:AlternateContent xmlns:mc="http://schemas.openxmlformats.org/markup-compatibility/2006">
               <mc:Choice xmlns:v="urn:schemas-microsoft-com:vml" Requires="v">
-                <p:oleObj spid="_x0000_s2670" name="Equation" r:id="rId9" imgW="177480" imgH="228600" progId="Equation.DSMT4">
+                <p:oleObj spid="_x0000_s2686" name="Equation" r:id="rId9" imgW="177480" imgH="228600" progId="Equation.DSMT4">
                   <p:embed/>
                 </p:oleObj>
               </mc:Choice>
@@ -3970,7 +3971,7 @@
           <a:graphicData uri="http://schemas.openxmlformats.org/presentationml/2006/ole">
             <mc:AlternateContent xmlns:mc="http://schemas.openxmlformats.org/markup-compatibility/2006">
               <mc:Choice xmlns:v="urn:schemas-microsoft-com:vml" Requires="v">
-                <p:oleObj spid="_x0000_s2671" name="Equation" r:id="rId11" imgW="787320" imgH="241200" progId="Equation.DSMT4">
+                <p:oleObj spid="_x0000_s2687" name="Equation" r:id="rId11" imgW="787320" imgH="241200" progId="Equation.DSMT4">
                   <p:embed/>
                 </p:oleObj>
               </mc:Choice>
@@ -4027,7 +4028,7 @@
           <a:graphicData uri="http://schemas.openxmlformats.org/presentationml/2006/ole">
             <mc:AlternateContent xmlns:mc="http://schemas.openxmlformats.org/markup-compatibility/2006">
               <mc:Choice xmlns:v="urn:schemas-microsoft-com:vml" Requires="v">
-                <p:oleObj spid="_x0000_s2672" name="Equation" r:id="rId13" imgW="190440" imgH="228600" progId="Equation.DSMT4">
+                <p:oleObj spid="_x0000_s2688" name="Equation" r:id="rId13" imgW="190440" imgH="228600" progId="Equation.DSMT4">
                   <p:embed/>
                 </p:oleObj>
               </mc:Choice>
@@ -4084,7 +4085,7 @@
           <a:graphicData uri="http://schemas.openxmlformats.org/presentationml/2006/ole">
             <mc:AlternateContent xmlns:mc="http://schemas.openxmlformats.org/markup-compatibility/2006">
               <mc:Choice xmlns:v="urn:schemas-microsoft-com:vml" Requires="v">
-                <p:oleObj spid="_x0000_s2673" name="Equation" r:id="rId15" imgW="495000" imgH="228600" progId="Equation.DSMT4">
+                <p:oleObj spid="_x0000_s2689" name="Equation" r:id="rId15" imgW="495000" imgH="228600" progId="Equation.DSMT4">
                   <p:embed/>
                 </p:oleObj>
               </mc:Choice>
@@ -4141,7 +4142,7 @@
           <a:graphicData uri="http://schemas.openxmlformats.org/presentationml/2006/ole">
             <mc:AlternateContent xmlns:mc="http://schemas.openxmlformats.org/markup-compatibility/2006">
               <mc:Choice xmlns:v="urn:schemas-microsoft-com:vml" Requires="v">
-                <p:oleObj spid="_x0000_s2674" name="Equation" r:id="rId17" imgW="1371600" imgH="304560" progId="Equation.DSMT4">
+                <p:oleObj spid="_x0000_s2690" name="Equation" r:id="rId17" imgW="1371600" imgH="304560" progId="Equation.DSMT4">
                   <p:embed/>
                 </p:oleObj>
               </mc:Choice>
@@ -4198,7 +4199,7 @@
           <a:graphicData uri="http://schemas.openxmlformats.org/presentationml/2006/ole">
             <mc:AlternateContent xmlns:mc="http://schemas.openxmlformats.org/markup-compatibility/2006">
               <mc:Choice xmlns:v="urn:schemas-microsoft-com:vml" Requires="v">
-                <p:oleObj spid="_x0000_s2675" name="Equation" r:id="rId19" imgW="380880" imgH="228600" progId="Equation.DSMT4">
+                <p:oleObj spid="_x0000_s2691" name="Equation" r:id="rId19" imgW="380880" imgH="228600" progId="Equation.DSMT4">
                   <p:embed/>
                 </p:oleObj>
               </mc:Choice>
@@ -4255,7 +4256,7 @@
           <a:graphicData uri="http://schemas.openxmlformats.org/presentationml/2006/ole">
             <mc:AlternateContent xmlns:mc="http://schemas.openxmlformats.org/markup-compatibility/2006">
               <mc:Choice xmlns:v="urn:schemas-microsoft-com:vml" Requires="v">
-                <p:oleObj spid="_x0000_s2676" name="Equation" r:id="rId21" imgW="419040" imgH="228600" progId="Equation.DSMT4">
+                <p:oleObj spid="_x0000_s2692" name="Equation" r:id="rId21" imgW="419040" imgH="228600" progId="Equation.DSMT4">
                   <p:embed/>
                 </p:oleObj>
               </mc:Choice>
@@ -4312,7 +4313,7 @@
           <a:graphicData uri="http://schemas.openxmlformats.org/presentationml/2006/ole">
             <mc:AlternateContent xmlns:mc="http://schemas.openxmlformats.org/markup-compatibility/2006">
               <mc:Choice xmlns:v="urn:schemas-microsoft-com:vml" Requires="v">
-                <p:oleObj spid="_x0000_s2677" name="Equation" r:id="rId23" imgW="152280" imgH="164880" progId="Equation.DSMT4">
+                <p:oleObj spid="_x0000_s2693" name="Equation" r:id="rId23" imgW="152280" imgH="164880" progId="Equation.DSMT4">
                   <p:embed/>
                 </p:oleObj>
               </mc:Choice>
@@ -4369,7 +4370,7 @@
           <a:graphicData uri="http://schemas.openxmlformats.org/presentationml/2006/ole">
             <mc:AlternateContent xmlns:mc="http://schemas.openxmlformats.org/markup-compatibility/2006">
               <mc:Choice xmlns:v="urn:schemas-microsoft-com:vml" Requires="v">
-                <p:oleObj spid="_x0000_s2678" name="Equation" r:id="rId25" imgW="203040" imgH="228600" progId="Equation.DSMT4">
+                <p:oleObj spid="_x0000_s2694" name="Equation" r:id="rId25" imgW="203040" imgH="228600" progId="Equation.DSMT4">
                   <p:embed/>
                 </p:oleObj>
               </mc:Choice>
@@ -4426,7 +4427,7 @@
           <a:graphicData uri="http://schemas.openxmlformats.org/presentationml/2006/ole">
             <mc:AlternateContent xmlns:mc="http://schemas.openxmlformats.org/markup-compatibility/2006">
               <mc:Choice xmlns:v="urn:schemas-microsoft-com:vml" Requires="v">
-                <p:oleObj spid="_x0000_s2679" name="Equation" r:id="rId27" imgW="380880" imgH="228600" progId="Equation.DSMT4">
+                <p:oleObj spid="_x0000_s2695" name="Equation" r:id="rId27" imgW="380880" imgH="228600" progId="Equation.DSMT4">
                   <p:embed/>
                 </p:oleObj>
               </mc:Choice>
@@ -4483,7 +4484,7 @@
           <a:graphicData uri="http://schemas.openxmlformats.org/presentationml/2006/ole">
             <mc:AlternateContent xmlns:mc="http://schemas.openxmlformats.org/markup-compatibility/2006">
               <mc:Choice xmlns:v="urn:schemas-microsoft-com:vml" Requires="v">
-                <p:oleObj spid="_x0000_s2680" name="Equation" r:id="rId29" imgW="177480" imgH="228600" progId="Equation.DSMT4">
+                <p:oleObj spid="_x0000_s2696" name="Equation" r:id="rId29" imgW="177480" imgH="228600" progId="Equation.DSMT4">
                   <p:embed/>
                 </p:oleObj>
               </mc:Choice>
@@ -4540,7 +4541,7 @@
           <a:graphicData uri="http://schemas.openxmlformats.org/presentationml/2006/ole">
             <mc:AlternateContent xmlns:mc="http://schemas.openxmlformats.org/markup-compatibility/2006">
               <mc:Choice xmlns:v="urn:schemas-microsoft-com:vml" Requires="v">
-                <p:oleObj spid="_x0000_s2681" name="Equation" r:id="rId31" imgW="317160" imgH="203040" progId="Equation.DSMT4">
+                <p:oleObj spid="_x0000_s2697" name="Equation" r:id="rId31" imgW="317160" imgH="203040" progId="Equation.DSMT4">
                   <p:embed/>
                 </p:oleObj>
               </mc:Choice>
@@ -4597,7 +4598,7 @@
           <a:graphicData uri="http://schemas.openxmlformats.org/presentationml/2006/ole">
             <mc:AlternateContent xmlns:mc="http://schemas.openxmlformats.org/markup-compatibility/2006">
               <mc:Choice xmlns:v="urn:schemas-microsoft-com:vml" Requires="v">
-                <p:oleObj spid="_x0000_s2682" name="Equation" r:id="rId33" imgW="139680" imgH="177480" progId="Equation.DSMT4">
+                <p:oleObj spid="_x0000_s2698" name="Equation" r:id="rId33" imgW="139680" imgH="177480" progId="Equation.DSMT4">
                   <p:embed/>
                 </p:oleObj>
               </mc:Choice>
@@ -4774,7 +4775,7 @@
           <a:graphicData uri="http://schemas.openxmlformats.org/presentationml/2006/ole">
             <mc:AlternateContent xmlns:mc="http://schemas.openxmlformats.org/markup-compatibility/2006">
               <mc:Choice xmlns:v="urn:schemas-microsoft-com:vml" Requires="v">
-                <p:oleObj spid="_x0000_s3334" name="Equation" r:id="rId3" imgW="1104840" imgH="355320" progId="Equation.DSMT4">
+                <p:oleObj spid="_x0000_s3341" name="Equation" r:id="rId3" imgW="1104840" imgH="355320" progId="Equation.DSMT4">
                   <p:embed/>
                 </p:oleObj>
               </mc:Choice>
@@ -4831,7 +4832,7 @@
           <a:graphicData uri="http://schemas.openxmlformats.org/presentationml/2006/ole">
             <mc:AlternateContent xmlns:mc="http://schemas.openxmlformats.org/markup-compatibility/2006">
               <mc:Choice xmlns:v="urn:schemas-microsoft-com:vml" Requires="v">
-                <p:oleObj spid="_x0000_s3335" name="Equation" r:id="rId5" imgW="88560" imgH="164880" progId="Equation.DSMT4">
+                <p:oleObj spid="_x0000_s3342" name="Equation" r:id="rId5" imgW="88560" imgH="164880" progId="Equation.DSMT4">
                   <p:embed/>
                 </p:oleObj>
               </mc:Choice>
@@ -4888,7 +4889,7 @@
           <a:graphicData uri="http://schemas.openxmlformats.org/presentationml/2006/ole">
             <mc:AlternateContent xmlns:mc="http://schemas.openxmlformats.org/markup-compatibility/2006">
               <mc:Choice xmlns:v="urn:schemas-microsoft-com:vml" Requires="v">
-                <p:oleObj spid="_x0000_s3336" name="Equation" r:id="rId7" imgW="317160" imgH="203040" progId="Equation.DSMT4">
+                <p:oleObj spid="_x0000_s3343" name="Equation" r:id="rId7" imgW="317160" imgH="203040" progId="Equation.DSMT4">
                   <p:embed/>
                 </p:oleObj>
               </mc:Choice>
@@ -4945,7 +4946,7 @@
           <a:graphicData uri="http://schemas.openxmlformats.org/presentationml/2006/ole">
             <mc:AlternateContent xmlns:mc="http://schemas.openxmlformats.org/markup-compatibility/2006">
               <mc:Choice xmlns:v="urn:schemas-microsoft-com:vml" Requires="v">
-                <p:oleObj spid="_x0000_s3337" name="Equation" r:id="rId9" imgW="88560" imgH="164880" progId="Equation.DSMT4">
+                <p:oleObj spid="_x0000_s3344" name="Equation" r:id="rId9" imgW="88560" imgH="164880" progId="Equation.DSMT4">
                   <p:embed/>
                 </p:oleObj>
               </mc:Choice>
@@ -5002,7 +5003,7 @@
           <a:graphicData uri="http://schemas.openxmlformats.org/presentationml/2006/ole">
             <mc:AlternateContent xmlns:mc="http://schemas.openxmlformats.org/markup-compatibility/2006">
               <mc:Choice xmlns:v="urn:schemas-microsoft-com:vml" Requires="v">
-                <p:oleObj spid="_x0000_s3338" name="Equation" r:id="rId11" imgW="406080" imgH="203040" progId="Equation.DSMT4">
+                <p:oleObj spid="_x0000_s3345" name="Equation" r:id="rId11" imgW="406080" imgH="203040" progId="Equation.DSMT4">
                   <p:embed/>
                 </p:oleObj>
               </mc:Choice>
@@ -5059,7 +5060,7 @@
           <a:graphicData uri="http://schemas.openxmlformats.org/presentationml/2006/ole">
             <mc:AlternateContent xmlns:mc="http://schemas.openxmlformats.org/markup-compatibility/2006">
               <mc:Choice xmlns:v="urn:schemas-microsoft-com:vml" Requires="v">
-                <p:oleObj spid="_x0000_s3339" name="Equation" r:id="rId13" imgW="88560" imgH="164880" progId="Equation.DSMT4">
+                <p:oleObj spid="_x0000_s3346" name="Equation" r:id="rId13" imgW="88560" imgH="164880" progId="Equation.DSMT4">
                   <p:embed/>
                 </p:oleObj>
               </mc:Choice>
@@ -5116,7 +5117,7 @@
           <a:graphicData uri="http://schemas.openxmlformats.org/presentationml/2006/ole">
             <mc:AlternateContent xmlns:mc="http://schemas.openxmlformats.org/markup-compatibility/2006">
               <mc:Choice xmlns:v="urn:schemas-microsoft-com:vml" Requires="v">
-                <p:oleObj spid="_x0000_s3340" name="Equation" r:id="rId15" imgW="126720" imgH="190440" progId="Equation.DSMT4">
+                <p:oleObj spid="_x0000_s3347" name="Equation" r:id="rId15" imgW="126720" imgH="190440" progId="Equation.DSMT4">
                   <p:embed/>
                 </p:oleObj>
               </mc:Choice>
@@ -5368,7 +5369,7 @@
           <a:graphicData uri="http://schemas.openxmlformats.org/presentationml/2006/ole">
             <mc:AlternateContent xmlns:mc="http://schemas.openxmlformats.org/markup-compatibility/2006">
               <mc:Choice xmlns:v="urn:schemas-microsoft-com:vml" Requires="v">
-                <p:oleObj spid="_x0000_s4611" name="Equation" r:id="rId3" imgW="177480" imgH="228600" progId="Equation.DSMT4">
+                <p:oleObj spid="_x0000_s4626" name="Equation" r:id="rId3" imgW="177480" imgH="228600" progId="Equation.DSMT4">
                   <p:embed/>
                 </p:oleObj>
               </mc:Choice>
@@ -5425,7 +5426,7 @@
           <a:graphicData uri="http://schemas.openxmlformats.org/presentationml/2006/ole">
             <mc:AlternateContent xmlns:mc="http://schemas.openxmlformats.org/markup-compatibility/2006">
               <mc:Choice xmlns:v="urn:schemas-microsoft-com:vml" Requires="v">
-                <p:oleObj spid="_x0000_s4612" name="Equation" r:id="rId5" imgW="152280" imgH="228600" progId="Equation.DSMT4">
+                <p:oleObj spid="_x0000_s4627" name="Equation" r:id="rId5" imgW="152280" imgH="228600" progId="Equation.DSMT4">
                   <p:embed/>
                 </p:oleObj>
               </mc:Choice>
@@ -5482,7 +5483,7 @@
           <a:graphicData uri="http://schemas.openxmlformats.org/presentationml/2006/ole">
             <mc:AlternateContent xmlns:mc="http://schemas.openxmlformats.org/markup-compatibility/2006">
               <mc:Choice xmlns:v="urn:schemas-microsoft-com:vml" Requires="v">
-                <p:oleObj spid="_x0000_s4613" name="Equation" r:id="rId7" imgW="114120" imgH="177480" progId="Equation.DSMT4">
+                <p:oleObj spid="_x0000_s4628" name="Equation" r:id="rId7" imgW="114120" imgH="177480" progId="Equation.DSMT4">
                   <p:embed/>
                 </p:oleObj>
               </mc:Choice>
@@ -5539,7 +5540,7 @@
           <a:graphicData uri="http://schemas.openxmlformats.org/presentationml/2006/ole">
             <mc:AlternateContent xmlns:mc="http://schemas.openxmlformats.org/markup-compatibility/2006">
               <mc:Choice xmlns:v="urn:schemas-microsoft-com:vml" Requires="v">
-                <p:oleObj spid="_x0000_s4614" name="Equation" r:id="rId9" imgW="152280" imgH="228600" progId="Equation.DSMT4">
+                <p:oleObj spid="_x0000_s4629" name="Equation" r:id="rId9" imgW="152280" imgH="228600" progId="Equation.DSMT4">
                   <p:embed/>
                 </p:oleObj>
               </mc:Choice>
@@ -5596,7 +5597,7 @@
           <a:graphicData uri="http://schemas.openxmlformats.org/presentationml/2006/ole">
             <mc:AlternateContent xmlns:mc="http://schemas.openxmlformats.org/markup-compatibility/2006">
               <mc:Choice xmlns:v="urn:schemas-microsoft-com:vml" Requires="v">
-                <p:oleObj spid="_x0000_s4615" name="Equation" r:id="rId11" imgW="596880" imgH="190440" progId="Equation.DSMT4">
+                <p:oleObj spid="_x0000_s4630" name="Equation" r:id="rId11" imgW="596880" imgH="190440" progId="Equation.DSMT4">
                   <p:embed/>
                 </p:oleObj>
               </mc:Choice>
@@ -5653,7 +5654,7 @@
           <a:graphicData uri="http://schemas.openxmlformats.org/presentationml/2006/ole">
             <mc:AlternateContent xmlns:mc="http://schemas.openxmlformats.org/markup-compatibility/2006">
               <mc:Choice xmlns:v="urn:schemas-microsoft-com:vml" Requires="v">
-                <p:oleObj spid="_x0000_s4616" name="Equation" r:id="rId13" imgW="152280" imgH="164880" progId="Equation.DSMT4">
+                <p:oleObj spid="_x0000_s4631" name="Equation" r:id="rId13" imgW="152280" imgH="164880" progId="Equation.DSMT4">
                   <p:embed/>
                 </p:oleObj>
               </mc:Choice>
@@ -5710,7 +5711,7 @@
           <a:graphicData uri="http://schemas.openxmlformats.org/presentationml/2006/ole">
             <mc:AlternateContent xmlns:mc="http://schemas.openxmlformats.org/markup-compatibility/2006">
               <mc:Choice xmlns:v="urn:schemas-microsoft-com:vml" Requires="v">
-                <p:oleObj spid="_x0000_s4617" name="Equation" r:id="rId15" imgW="419040" imgH="177480" progId="Equation.DSMT4">
+                <p:oleObj spid="_x0000_s4632" name="Equation" r:id="rId15" imgW="419040" imgH="177480" progId="Equation.DSMT4">
                   <p:embed/>
                 </p:oleObj>
               </mc:Choice>
@@ -5767,7 +5768,7 @@
           <a:graphicData uri="http://schemas.openxmlformats.org/presentationml/2006/ole">
             <mc:AlternateContent xmlns:mc="http://schemas.openxmlformats.org/markup-compatibility/2006">
               <mc:Choice xmlns:v="urn:schemas-microsoft-com:vml" Requires="v">
-                <p:oleObj spid="_x0000_s4618" name="Equation" r:id="rId17" imgW="177480" imgH="177480" progId="Equation.DSMT4">
+                <p:oleObj spid="_x0000_s4633" name="Equation" r:id="rId17" imgW="177480" imgH="177480" progId="Equation.DSMT4">
                   <p:embed/>
                 </p:oleObj>
               </mc:Choice>
@@ -5824,7 +5825,7 @@
           <a:graphicData uri="http://schemas.openxmlformats.org/presentationml/2006/ole">
             <mc:AlternateContent xmlns:mc="http://schemas.openxmlformats.org/markup-compatibility/2006">
               <mc:Choice xmlns:v="urn:schemas-microsoft-com:vml" Requires="v">
-                <p:oleObj spid="_x0000_s4619" name="Equation" r:id="rId19" imgW="177480" imgH="164880" progId="Equation.DSMT4">
+                <p:oleObj spid="_x0000_s4634" name="Equation" r:id="rId19" imgW="177480" imgH="164880" progId="Equation.DSMT4">
                   <p:embed/>
                 </p:oleObj>
               </mc:Choice>
@@ -5881,7 +5882,7 @@
           <a:graphicData uri="http://schemas.openxmlformats.org/presentationml/2006/ole">
             <mc:AlternateContent xmlns:mc="http://schemas.openxmlformats.org/markup-compatibility/2006">
               <mc:Choice xmlns:v="urn:schemas-microsoft-com:vml" Requires="v">
-                <p:oleObj spid="_x0000_s4620" name="Equation" r:id="rId21" imgW="342720" imgH="177480" progId="Equation.DSMT4">
+                <p:oleObj spid="_x0000_s4635" name="Equation" r:id="rId21" imgW="342720" imgH="177480" progId="Equation.DSMT4">
                   <p:embed/>
                 </p:oleObj>
               </mc:Choice>
@@ -5938,7 +5939,7 @@
           <a:graphicData uri="http://schemas.openxmlformats.org/presentationml/2006/ole">
             <mc:AlternateContent xmlns:mc="http://schemas.openxmlformats.org/markup-compatibility/2006">
               <mc:Choice xmlns:v="urn:schemas-microsoft-com:vml" Requires="v">
-                <p:oleObj spid="_x0000_s4621" name="Equation" r:id="rId23" imgW="393480" imgH="241200" progId="Equation.DSMT4">
+                <p:oleObj spid="_x0000_s4636" name="Equation" r:id="rId23" imgW="393480" imgH="241200" progId="Equation.DSMT4">
                   <p:embed/>
                 </p:oleObj>
               </mc:Choice>
@@ -5995,7 +5996,7 @@
           <a:graphicData uri="http://schemas.openxmlformats.org/presentationml/2006/ole">
             <mc:AlternateContent xmlns:mc="http://schemas.openxmlformats.org/markup-compatibility/2006">
               <mc:Choice xmlns:v="urn:schemas-microsoft-com:vml" Requires="v">
-                <p:oleObj spid="_x0000_s4622" name="Equation" r:id="rId25" imgW="88560" imgH="164880" progId="Equation.DSMT4">
+                <p:oleObj spid="_x0000_s4637" name="Equation" r:id="rId25" imgW="88560" imgH="164880" progId="Equation.DSMT4">
                   <p:embed/>
                 </p:oleObj>
               </mc:Choice>
@@ -6052,7 +6053,7 @@
           <a:graphicData uri="http://schemas.openxmlformats.org/presentationml/2006/ole">
             <mc:AlternateContent xmlns:mc="http://schemas.openxmlformats.org/markup-compatibility/2006">
               <mc:Choice xmlns:v="urn:schemas-microsoft-com:vml" Requires="v">
-                <p:oleObj spid="_x0000_s4623" name="Equation" r:id="rId27" imgW="419040" imgH="241200" progId="Equation.DSMT4">
+                <p:oleObj spid="_x0000_s4638" name="Equation" r:id="rId27" imgW="419040" imgH="241200" progId="Equation.DSMT4">
                   <p:embed/>
                 </p:oleObj>
               </mc:Choice>
@@ -6109,7 +6110,7 @@
           <a:graphicData uri="http://schemas.openxmlformats.org/presentationml/2006/ole">
             <mc:AlternateContent xmlns:mc="http://schemas.openxmlformats.org/markup-compatibility/2006">
               <mc:Choice xmlns:v="urn:schemas-microsoft-com:vml" Requires="v">
-                <p:oleObj spid="_x0000_s4624" name="Equation" r:id="rId29" imgW="152280" imgH="228600" progId="Equation.DSMT4">
+                <p:oleObj spid="_x0000_s4639" name="Equation" r:id="rId29" imgW="152280" imgH="228600" progId="Equation.DSMT4">
                   <p:embed/>
                 </p:oleObj>
               </mc:Choice>
@@ -6166,7 +6167,7 @@
           <a:graphicData uri="http://schemas.openxmlformats.org/presentationml/2006/ole">
             <mc:AlternateContent xmlns:mc="http://schemas.openxmlformats.org/markup-compatibility/2006">
               <mc:Choice xmlns:v="urn:schemas-microsoft-com:vml" Requires="v">
-                <p:oleObj spid="_x0000_s4625" name="Equation" r:id="rId31" imgW="88560" imgH="164880" progId="Equation.DSMT4">
+                <p:oleObj spid="_x0000_s4640" name="Equation" r:id="rId31" imgW="88560" imgH="164880" progId="Equation.DSMT4">
                   <p:embed/>
                 </p:oleObj>
               </mc:Choice>
@@ -6849,7 +6850,7 @@
           <a:graphicData uri="http://schemas.openxmlformats.org/presentationml/2006/ole">
             <mc:AlternateContent xmlns:mc="http://schemas.openxmlformats.org/markup-compatibility/2006">
               <mc:Choice xmlns:v="urn:schemas-microsoft-com:vml" Requires="v">
-                <p:oleObj spid="_x0000_s1321" name="Equation" r:id="rId3" imgW="939600" imgH="431640" progId="Equation.DSMT4">
+                <p:oleObj spid="_x0000_s1328" name="Equation" r:id="rId3" imgW="939600" imgH="431640" progId="Equation.DSMT4">
                   <p:embed/>
                 </p:oleObj>
               </mc:Choice>
@@ -6906,7 +6907,7 @@
           <a:graphicData uri="http://schemas.openxmlformats.org/presentationml/2006/ole">
             <mc:AlternateContent xmlns:mc="http://schemas.openxmlformats.org/markup-compatibility/2006">
               <mc:Choice xmlns:v="urn:schemas-microsoft-com:vml" Requires="v">
-                <p:oleObj spid="_x0000_s1322" name="Equation" r:id="rId5" imgW="647640" imgH="634680" progId="Equation.DSMT4">
+                <p:oleObj spid="_x0000_s1329" name="Equation" r:id="rId5" imgW="647640" imgH="634680" progId="Equation.DSMT4">
                   <p:embed/>
                 </p:oleObj>
               </mc:Choice>
@@ -6963,7 +6964,7 @@
           <a:graphicData uri="http://schemas.openxmlformats.org/presentationml/2006/ole">
             <mc:AlternateContent xmlns:mc="http://schemas.openxmlformats.org/markup-compatibility/2006">
               <mc:Choice xmlns:v="urn:schemas-microsoft-com:vml" Requires="v">
-                <p:oleObj spid="_x0000_s1323" name="Equation" r:id="rId7" imgW="139680" imgH="228600" progId="Equation.DSMT4">
+                <p:oleObj spid="_x0000_s1330" name="Equation" r:id="rId7" imgW="139680" imgH="228600" progId="Equation.DSMT4">
                   <p:embed/>
                 </p:oleObj>
               </mc:Choice>
@@ -7020,7 +7021,7 @@
           <a:graphicData uri="http://schemas.openxmlformats.org/presentationml/2006/ole">
             <mc:AlternateContent xmlns:mc="http://schemas.openxmlformats.org/markup-compatibility/2006">
               <mc:Choice xmlns:v="urn:schemas-microsoft-com:vml" Requires="v">
-                <p:oleObj spid="_x0000_s1324" name="Equation" r:id="rId9" imgW="88560" imgH="164880" progId="Equation.DSMT4">
+                <p:oleObj spid="_x0000_s1331" name="Equation" r:id="rId9" imgW="88560" imgH="164880" progId="Equation.DSMT4">
                   <p:embed/>
                 </p:oleObj>
               </mc:Choice>
@@ -7077,7 +7078,7 @@
           <a:graphicData uri="http://schemas.openxmlformats.org/presentationml/2006/ole">
             <mc:AlternateContent xmlns:mc="http://schemas.openxmlformats.org/markup-compatibility/2006">
               <mc:Choice xmlns:v="urn:schemas-microsoft-com:vml" Requires="v">
-                <p:oleObj spid="_x0000_s1325" name="Equation" r:id="rId11" imgW="114120" imgH="177480" progId="Equation.DSMT4">
+                <p:oleObj spid="_x0000_s1332" name="Equation" r:id="rId11" imgW="114120" imgH="177480" progId="Equation.DSMT4">
                   <p:embed/>
                 </p:oleObj>
               </mc:Choice>
@@ -7134,7 +7135,7 @@
           <a:graphicData uri="http://schemas.openxmlformats.org/presentationml/2006/ole">
             <mc:AlternateContent xmlns:mc="http://schemas.openxmlformats.org/markup-compatibility/2006">
               <mc:Choice xmlns:v="urn:schemas-microsoft-com:vml" Requires="v">
-                <p:oleObj spid="_x0000_s1326" name="Equation" r:id="rId13" imgW="1295280" imgH="457200" progId="Equation.DSMT4">
+                <p:oleObj spid="_x0000_s1333" name="Equation" r:id="rId13" imgW="1295280" imgH="457200" progId="Equation.DSMT4">
                   <p:embed/>
                 </p:oleObj>
               </mc:Choice>
@@ -7191,7 +7192,7 @@
           <a:graphicData uri="http://schemas.openxmlformats.org/presentationml/2006/ole">
             <mc:AlternateContent xmlns:mc="http://schemas.openxmlformats.org/markup-compatibility/2006">
               <mc:Choice xmlns:v="urn:schemas-microsoft-com:vml" Requires="v">
-                <p:oleObj spid="_x0000_s1327" name="Equation" r:id="rId15" imgW="177480" imgH="241200" progId="Equation.DSMT4">
+                <p:oleObj spid="_x0000_s1334" name="Equation" r:id="rId15" imgW="177480" imgH="241200" progId="Equation.DSMT4">
                   <p:embed/>
                 </p:oleObj>
               </mc:Choice>
@@ -8510,7 +8511,7 @@
           <a:graphicData uri="http://schemas.openxmlformats.org/presentationml/2006/ole">
             <mc:AlternateContent xmlns:mc="http://schemas.openxmlformats.org/markup-compatibility/2006">
               <mc:Choice xmlns:v="urn:schemas-microsoft-com:vml" Requires="v">
-                <p:oleObj spid="_x0000_s5391" name="Equation" r:id="rId3" imgW="876240" imgH="228600" progId="Equation.DSMT4">
+                <p:oleObj spid="_x0000_s5401" name="Equation" r:id="rId3" imgW="876240" imgH="228600" progId="Equation.DSMT4">
                   <p:embed/>
                 </p:oleObj>
               </mc:Choice>
@@ -8567,7 +8568,7 @@
           <a:graphicData uri="http://schemas.openxmlformats.org/presentationml/2006/ole">
             <mc:AlternateContent xmlns:mc="http://schemas.openxmlformats.org/markup-compatibility/2006">
               <mc:Choice xmlns:v="urn:schemas-microsoft-com:vml" Requires="v">
-                <p:oleObj spid="_x0000_s5392" name="Equation" r:id="rId5" imgW="139680" imgH="164880" progId="Equation.DSMT4">
+                <p:oleObj spid="_x0000_s5402" name="Equation" r:id="rId5" imgW="139680" imgH="164880" progId="Equation.DSMT4">
                   <p:embed/>
                 </p:oleObj>
               </mc:Choice>
@@ -8624,7 +8625,7 @@
           <a:graphicData uri="http://schemas.openxmlformats.org/presentationml/2006/ole">
             <mc:AlternateContent xmlns:mc="http://schemas.openxmlformats.org/markup-compatibility/2006">
               <mc:Choice xmlns:v="urn:schemas-microsoft-com:vml" Requires="v">
-                <p:oleObj spid="_x0000_s5393" name="Equation" r:id="rId7" imgW="914400" imgH="431640" progId="Equation.DSMT4">
+                <p:oleObj spid="_x0000_s5403" name="Equation" r:id="rId7" imgW="914400" imgH="431640" progId="Equation.DSMT4">
                   <p:embed/>
                 </p:oleObj>
               </mc:Choice>
@@ -8681,7 +8682,7 @@
           <a:graphicData uri="http://schemas.openxmlformats.org/presentationml/2006/ole">
             <mc:AlternateContent xmlns:mc="http://schemas.openxmlformats.org/markup-compatibility/2006">
               <mc:Choice xmlns:v="urn:schemas-microsoft-com:vml" Requires="v">
-                <p:oleObj spid="_x0000_s5394" name="Equation" r:id="rId9" imgW="152280" imgH="164880" progId="Equation.DSMT4">
+                <p:oleObj spid="_x0000_s5404" name="Equation" r:id="rId9" imgW="152280" imgH="164880" progId="Equation.DSMT4">
                   <p:embed/>
                 </p:oleObj>
               </mc:Choice>
@@ -8738,7 +8739,7 @@
           <a:graphicData uri="http://schemas.openxmlformats.org/presentationml/2006/ole">
             <mc:AlternateContent xmlns:mc="http://schemas.openxmlformats.org/markup-compatibility/2006">
               <mc:Choice xmlns:v="urn:schemas-microsoft-com:vml" Requires="v">
-                <p:oleObj spid="_x0000_s5395" name="Equation" r:id="rId11" imgW="152280" imgH="164880" progId="Equation.DSMT4">
+                <p:oleObj spid="_x0000_s5405" name="Equation" r:id="rId11" imgW="152280" imgH="164880" progId="Equation.DSMT4">
                   <p:embed/>
                 </p:oleObj>
               </mc:Choice>
@@ -8795,7 +8796,7 @@
           <a:graphicData uri="http://schemas.openxmlformats.org/presentationml/2006/ole">
             <mc:AlternateContent xmlns:mc="http://schemas.openxmlformats.org/markup-compatibility/2006">
               <mc:Choice xmlns:v="urn:schemas-microsoft-com:vml" Requires="v">
-                <p:oleObj spid="_x0000_s5396" name="Equation" r:id="rId13" imgW="1485720" imgH="469800" progId="Equation.DSMT4">
+                <p:oleObj spid="_x0000_s5406" name="Equation" r:id="rId13" imgW="1485720" imgH="469800" progId="Equation.DSMT4">
                   <p:embed/>
                 </p:oleObj>
               </mc:Choice>
@@ -8852,7 +8853,7 @@
           <a:graphicData uri="http://schemas.openxmlformats.org/presentationml/2006/ole">
             <mc:AlternateContent xmlns:mc="http://schemas.openxmlformats.org/markup-compatibility/2006">
               <mc:Choice xmlns:v="urn:schemas-microsoft-com:vml" Requires="v">
-                <p:oleObj spid="_x0000_s5397" name="Equation" r:id="rId15" imgW="152280" imgH="164880" progId="Equation.DSMT4">
+                <p:oleObj spid="_x0000_s5407" name="Equation" r:id="rId15" imgW="152280" imgH="164880" progId="Equation.DSMT4">
                   <p:embed/>
                 </p:oleObj>
               </mc:Choice>
@@ -8909,7 +8910,7 @@
           <a:graphicData uri="http://schemas.openxmlformats.org/presentationml/2006/ole">
             <mc:AlternateContent xmlns:mc="http://schemas.openxmlformats.org/markup-compatibility/2006">
               <mc:Choice xmlns:v="urn:schemas-microsoft-com:vml" Requires="v">
-                <p:oleObj spid="_x0000_s5398" name="Equation" r:id="rId17" imgW="152280" imgH="203040" progId="Equation.DSMT4">
+                <p:oleObj spid="_x0000_s5408" name="Equation" r:id="rId17" imgW="152280" imgH="203040" progId="Equation.DSMT4">
                   <p:embed/>
                 </p:oleObj>
               </mc:Choice>
@@ -8966,7 +8967,7 @@
           <a:graphicData uri="http://schemas.openxmlformats.org/presentationml/2006/ole">
             <mc:AlternateContent xmlns:mc="http://schemas.openxmlformats.org/markup-compatibility/2006">
               <mc:Choice xmlns:v="urn:schemas-microsoft-com:vml" Requires="v">
-                <p:oleObj spid="_x0000_s5399" name="Equation" r:id="rId19" imgW="152280" imgH="139680" progId="Equation.DSMT4">
+                <p:oleObj spid="_x0000_s5409" name="Equation" r:id="rId19" imgW="152280" imgH="139680" progId="Equation.DSMT4">
                   <p:embed/>
                 </p:oleObj>
               </mc:Choice>
@@ -9023,7 +9024,7 @@
           <a:graphicData uri="http://schemas.openxmlformats.org/presentationml/2006/ole">
             <mc:AlternateContent xmlns:mc="http://schemas.openxmlformats.org/markup-compatibility/2006">
               <mc:Choice xmlns:v="urn:schemas-microsoft-com:vml" Requires="v">
-                <p:oleObj spid="_x0000_s5400" name="Equation" r:id="rId21" imgW="152280" imgH="139680" progId="Equation.DSMT4">
+                <p:oleObj spid="_x0000_s5410" name="Equation" r:id="rId21" imgW="152280" imgH="139680" progId="Equation.DSMT4">
                   <p:embed/>
                 </p:oleObj>
               </mc:Choice>
@@ -9838,7 +9839,7 @@
           <a:graphicData uri="http://schemas.openxmlformats.org/presentationml/2006/ole">
             <mc:AlternateContent xmlns:mc="http://schemas.openxmlformats.org/markup-compatibility/2006">
               <mc:Choice xmlns:v="urn:schemas-microsoft-com:vml" Requires="v">
-                <p:oleObj spid="_x0000_s6154" name="Visio" r:id="rId3" imgW="3901440" imgH="2148693" progId="Visio.Drawing.15">
+                <p:oleObj spid="_x0000_s6155" name="Visio" r:id="rId3" imgW="3901440" imgH="2148693" progId="Visio.Drawing.15">
                   <p:embed/>
                 </p:oleObj>
               </mc:Choice>
@@ -10802,6 +10803,66 @@
     <p:extLst>
       <p:ext uri="{BB962C8B-B14F-4D97-AF65-F5344CB8AC3E}">
         <p14:creationId xmlns:p14="http://schemas.microsoft.com/office/powerpoint/2010/main" val="321568088"/>
+      </p:ext>
+    </p:extLst>
+  </p:cSld>
+  <p:clrMapOvr>
+    <a:masterClrMapping/>
+  </p:clrMapOvr>
+</p:sld>
+</file>
+
+<file path=ppt/slides/slide35.xml><?xml version="1.0" encoding="utf-8"?>
+<p:sld xmlns:a="http://schemas.openxmlformats.org/drawingml/2006/main" xmlns:r="http://schemas.openxmlformats.org/officeDocument/2006/relationships" xmlns:p="http://schemas.openxmlformats.org/presentationml/2006/main">
+  <p:cSld>
+    <p:spTree>
+      <p:nvGrpSpPr>
+        <p:cNvPr id="1" name=""/>
+        <p:cNvGrpSpPr/>
+        <p:nvPr/>
+      </p:nvGrpSpPr>
+      <p:grpSpPr>
+        <a:xfrm>
+          <a:off x="0" y="0"/>
+          <a:ext cx="0" cy="0"/>
+          <a:chOff x="0" y="0"/>
+          <a:chExt cx="0" cy="0"/>
+        </a:xfrm>
+      </p:grpSpPr>
+      <p:pic>
+        <p:nvPicPr>
+          <p:cNvPr id="4" name="图片 3"/>
+          <p:cNvPicPr>
+            <a:picLocks noChangeAspect="1"/>
+          </p:cNvPicPr>
+          <p:nvPr/>
+        </p:nvPicPr>
+        <p:blipFill>
+          <a:blip r:embed="rId2">
+            <a:extLst>
+              <a:ext uri="{28A0092B-C50C-407E-A947-70E740481C1C}">
+                <a14:useLocalDpi xmlns:a14="http://schemas.microsoft.com/office/drawing/2010/main" val="0"/>
+              </a:ext>
+            </a:extLst>
+          </a:blip>
+          <a:stretch>
+            <a:fillRect/>
+          </a:stretch>
+        </p:blipFill>
+        <p:spPr>
+          <a:xfrm>
+            <a:off x="0" y="314951"/>
+            <a:ext cx="12192000" cy="6228098"/>
+          </a:xfrm>
+          <a:prstGeom prst="rect">
+            <a:avLst/>
+          </a:prstGeom>
+        </p:spPr>
+      </p:pic>
+    </p:spTree>
+    <p:extLst>
+      <p:ext uri="{BB962C8B-B14F-4D97-AF65-F5344CB8AC3E}">
+        <p14:creationId xmlns:p14="http://schemas.microsoft.com/office/powerpoint/2010/main" val="2191548039"/>
       </p:ext>
     </p:extLst>
   </p:cSld>

--- a/电力系统脆弱性研究/电力系统脆弱性研究.pptx
+++ b/电力系统脆弱性研究/电力系统脆弱性研究.pptx
@@ -40,6 +40,7 @@
     <p:sldId id="288" r:id="rId34"/>
     <p:sldId id="289" r:id="rId35"/>
     <p:sldId id="290" r:id="rId36"/>
+    <p:sldId id="291" r:id="rId37"/>
   </p:sldIdLst>
   <p:sldSz cx="12192000" cy="6858000"/>
   <p:notesSz cx="6858000" cy="9144000"/>
@@ -277,7 +278,7 @@
           <a:p>
             <a:fld id="{B14EACBE-21B6-4337-87E4-6179AEAE3952}" type="datetimeFigureOut">
               <a:rPr lang="zh-CN" altLang="en-US" smtClean="0"/>
-              <a:t>2019/06/23</a:t>
+              <a:t>2019/06/29</a:t>
             </a:fld>
             <a:endParaRPr lang="zh-CN" altLang="en-US"/>
           </a:p>
@@ -447,7 +448,7 @@
           <a:p>
             <a:fld id="{B14EACBE-21B6-4337-87E4-6179AEAE3952}" type="datetimeFigureOut">
               <a:rPr lang="zh-CN" altLang="en-US" smtClean="0"/>
-              <a:t>2019/06/23</a:t>
+              <a:t>2019/06/29</a:t>
             </a:fld>
             <a:endParaRPr lang="zh-CN" altLang="en-US"/>
           </a:p>
@@ -627,7 +628,7 @@
           <a:p>
             <a:fld id="{B14EACBE-21B6-4337-87E4-6179AEAE3952}" type="datetimeFigureOut">
               <a:rPr lang="zh-CN" altLang="en-US" smtClean="0"/>
-              <a:t>2019/06/23</a:t>
+              <a:t>2019/06/29</a:t>
             </a:fld>
             <a:endParaRPr lang="zh-CN" altLang="en-US"/>
           </a:p>
@@ -797,7 +798,7 @@
           <a:p>
             <a:fld id="{B14EACBE-21B6-4337-87E4-6179AEAE3952}" type="datetimeFigureOut">
               <a:rPr lang="zh-CN" altLang="en-US" smtClean="0"/>
-              <a:t>2019/06/23</a:t>
+              <a:t>2019/06/29</a:t>
             </a:fld>
             <a:endParaRPr lang="zh-CN" altLang="en-US"/>
           </a:p>
@@ -1043,7 +1044,7 @@
           <a:p>
             <a:fld id="{B14EACBE-21B6-4337-87E4-6179AEAE3952}" type="datetimeFigureOut">
               <a:rPr lang="zh-CN" altLang="en-US" smtClean="0"/>
-              <a:t>2019/06/23</a:t>
+              <a:t>2019/06/29</a:t>
             </a:fld>
             <a:endParaRPr lang="zh-CN" altLang="en-US"/>
           </a:p>
@@ -1275,7 +1276,7 @@
           <a:p>
             <a:fld id="{B14EACBE-21B6-4337-87E4-6179AEAE3952}" type="datetimeFigureOut">
               <a:rPr lang="zh-CN" altLang="en-US" smtClean="0"/>
-              <a:t>2019/06/23</a:t>
+              <a:t>2019/06/29</a:t>
             </a:fld>
             <a:endParaRPr lang="zh-CN" altLang="en-US"/>
           </a:p>
@@ -1642,7 +1643,7 @@
           <a:p>
             <a:fld id="{B14EACBE-21B6-4337-87E4-6179AEAE3952}" type="datetimeFigureOut">
               <a:rPr lang="zh-CN" altLang="en-US" smtClean="0"/>
-              <a:t>2019/06/23</a:t>
+              <a:t>2019/06/29</a:t>
             </a:fld>
             <a:endParaRPr lang="zh-CN" altLang="en-US"/>
           </a:p>
@@ -1760,7 +1761,7 @@
           <a:p>
             <a:fld id="{B14EACBE-21B6-4337-87E4-6179AEAE3952}" type="datetimeFigureOut">
               <a:rPr lang="zh-CN" altLang="en-US" smtClean="0"/>
-              <a:t>2019/06/23</a:t>
+              <a:t>2019/06/29</a:t>
             </a:fld>
             <a:endParaRPr lang="zh-CN" altLang="en-US"/>
           </a:p>
@@ -1855,7 +1856,7 @@
           <a:p>
             <a:fld id="{B14EACBE-21B6-4337-87E4-6179AEAE3952}" type="datetimeFigureOut">
               <a:rPr lang="zh-CN" altLang="en-US" smtClean="0"/>
-              <a:t>2019/06/23</a:t>
+              <a:t>2019/06/29</a:t>
             </a:fld>
             <a:endParaRPr lang="zh-CN" altLang="en-US"/>
           </a:p>
@@ -2132,7 +2133,7 @@
           <a:p>
             <a:fld id="{B14EACBE-21B6-4337-87E4-6179AEAE3952}" type="datetimeFigureOut">
               <a:rPr lang="zh-CN" altLang="en-US" smtClean="0"/>
-              <a:t>2019/06/23</a:t>
+              <a:t>2019/06/29</a:t>
             </a:fld>
             <a:endParaRPr lang="zh-CN" altLang="en-US"/>
           </a:p>
@@ -2385,7 +2386,7 @@
           <a:p>
             <a:fld id="{B14EACBE-21B6-4337-87E4-6179AEAE3952}" type="datetimeFigureOut">
               <a:rPr lang="zh-CN" altLang="en-US" smtClean="0"/>
-              <a:t>2019/06/23</a:t>
+              <a:t>2019/06/29</a:t>
             </a:fld>
             <a:endParaRPr lang="zh-CN" altLang="en-US"/>
           </a:p>
@@ -2598,7 +2599,7 @@
           <a:p>
             <a:fld id="{B14EACBE-21B6-4337-87E4-6179AEAE3952}" type="datetimeFigureOut">
               <a:rPr lang="zh-CN" altLang="en-US" smtClean="0"/>
-              <a:t>2019/06/23</a:t>
+              <a:t>2019/06/29</a:t>
             </a:fld>
             <a:endParaRPr lang="zh-CN" altLang="en-US"/>
           </a:p>
@@ -3743,7 +3744,7 @@
           <a:graphicData uri="http://schemas.openxmlformats.org/presentationml/2006/ole">
             <mc:AlternateContent xmlns:mc="http://schemas.openxmlformats.org/markup-compatibility/2006">
               <mc:Choice xmlns:v="urn:schemas-microsoft-com:vml" Requires="v">
-                <p:oleObj spid="_x0000_s2683" name="Equation" r:id="rId3" imgW="139680" imgH="177480" progId="Equation.DSMT4">
+                <p:oleObj spid="_x0000_s2699" name="Equation" r:id="rId3" imgW="139680" imgH="177480" progId="Equation.DSMT4">
                   <p:embed/>
                 </p:oleObj>
               </mc:Choice>
@@ -3800,7 +3801,7 @@
           <a:graphicData uri="http://schemas.openxmlformats.org/presentationml/2006/ole">
             <mc:AlternateContent xmlns:mc="http://schemas.openxmlformats.org/markup-compatibility/2006">
               <mc:Choice xmlns:v="urn:schemas-microsoft-com:vml" Requires="v">
-                <p:oleObj spid="_x0000_s2684" name="Equation" r:id="rId5" imgW="126720" imgH="139680" progId="Equation.DSMT4">
+                <p:oleObj spid="_x0000_s2700" name="Equation" r:id="rId5" imgW="126720" imgH="139680" progId="Equation.DSMT4">
                   <p:embed/>
                 </p:oleObj>
               </mc:Choice>
@@ -3857,7 +3858,7 @@
           <a:graphicData uri="http://schemas.openxmlformats.org/presentationml/2006/ole">
             <mc:AlternateContent xmlns:mc="http://schemas.openxmlformats.org/markup-compatibility/2006">
               <mc:Choice xmlns:v="urn:schemas-microsoft-com:vml" Requires="v">
-                <p:oleObj spid="_x0000_s2685" name="Equation" r:id="rId7" imgW="939600" imgH="228600" progId="Equation.DSMT4">
+                <p:oleObj spid="_x0000_s2701" name="Equation" r:id="rId7" imgW="939600" imgH="228600" progId="Equation.DSMT4">
                   <p:embed/>
                 </p:oleObj>
               </mc:Choice>
@@ -3914,7 +3915,7 @@
           <a:graphicData uri="http://schemas.openxmlformats.org/presentationml/2006/ole">
             <mc:AlternateContent xmlns:mc="http://schemas.openxmlformats.org/markup-compatibility/2006">
               <mc:Choice xmlns:v="urn:schemas-microsoft-com:vml" Requires="v">
-                <p:oleObj spid="_x0000_s2686" name="Equation" r:id="rId9" imgW="177480" imgH="228600" progId="Equation.DSMT4">
+                <p:oleObj spid="_x0000_s2702" name="Equation" r:id="rId9" imgW="177480" imgH="228600" progId="Equation.DSMT4">
                   <p:embed/>
                 </p:oleObj>
               </mc:Choice>
@@ -3971,7 +3972,7 @@
           <a:graphicData uri="http://schemas.openxmlformats.org/presentationml/2006/ole">
             <mc:AlternateContent xmlns:mc="http://schemas.openxmlformats.org/markup-compatibility/2006">
               <mc:Choice xmlns:v="urn:schemas-microsoft-com:vml" Requires="v">
-                <p:oleObj spid="_x0000_s2687" name="Equation" r:id="rId11" imgW="787320" imgH="241200" progId="Equation.DSMT4">
+                <p:oleObj spid="_x0000_s2703" name="Equation" r:id="rId11" imgW="787320" imgH="241200" progId="Equation.DSMT4">
                   <p:embed/>
                 </p:oleObj>
               </mc:Choice>
@@ -4028,7 +4029,7 @@
           <a:graphicData uri="http://schemas.openxmlformats.org/presentationml/2006/ole">
             <mc:AlternateContent xmlns:mc="http://schemas.openxmlformats.org/markup-compatibility/2006">
               <mc:Choice xmlns:v="urn:schemas-microsoft-com:vml" Requires="v">
-                <p:oleObj spid="_x0000_s2688" name="Equation" r:id="rId13" imgW="190440" imgH="228600" progId="Equation.DSMT4">
+                <p:oleObj spid="_x0000_s2704" name="Equation" r:id="rId13" imgW="190440" imgH="228600" progId="Equation.DSMT4">
                   <p:embed/>
                 </p:oleObj>
               </mc:Choice>
@@ -4085,7 +4086,7 @@
           <a:graphicData uri="http://schemas.openxmlformats.org/presentationml/2006/ole">
             <mc:AlternateContent xmlns:mc="http://schemas.openxmlformats.org/markup-compatibility/2006">
               <mc:Choice xmlns:v="urn:schemas-microsoft-com:vml" Requires="v">
-                <p:oleObj spid="_x0000_s2689" name="Equation" r:id="rId15" imgW="495000" imgH="228600" progId="Equation.DSMT4">
+                <p:oleObj spid="_x0000_s2705" name="Equation" r:id="rId15" imgW="495000" imgH="228600" progId="Equation.DSMT4">
                   <p:embed/>
                 </p:oleObj>
               </mc:Choice>
@@ -4142,7 +4143,7 @@
           <a:graphicData uri="http://schemas.openxmlformats.org/presentationml/2006/ole">
             <mc:AlternateContent xmlns:mc="http://schemas.openxmlformats.org/markup-compatibility/2006">
               <mc:Choice xmlns:v="urn:schemas-microsoft-com:vml" Requires="v">
-                <p:oleObj spid="_x0000_s2690" name="Equation" r:id="rId17" imgW="1371600" imgH="304560" progId="Equation.DSMT4">
+                <p:oleObj spid="_x0000_s2706" name="Equation" r:id="rId17" imgW="1371600" imgH="304560" progId="Equation.DSMT4">
                   <p:embed/>
                 </p:oleObj>
               </mc:Choice>
@@ -4199,7 +4200,7 @@
           <a:graphicData uri="http://schemas.openxmlformats.org/presentationml/2006/ole">
             <mc:AlternateContent xmlns:mc="http://schemas.openxmlformats.org/markup-compatibility/2006">
               <mc:Choice xmlns:v="urn:schemas-microsoft-com:vml" Requires="v">
-                <p:oleObj spid="_x0000_s2691" name="Equation" r:id="rId19" imgW="380880" imgH="228600" progId="Equation.DSMT4">
+                <p:oleObj spid="_x0000_s2707" name="Equation" r:id="rId19" imgW="380880" imgH="228600" progId="Equation.DSMT4">
                   <p:embed/>
                 </p:oleObj>
               </mc:Choice>
@@ -4256,7 +4257,7 @@
           <a:graphicData uri="http://schemas.openxmlformats.org/presentationml/2006/ole">
             <mc:AlternateContent xmlns:mc="http://schemas.openxmlformats.org/markup-compatibility/2006">
               <mc:Choice xmlns:v="urn:schemas-microsoft-com:vml" Requires="v">
-                <p:oleObj spid="_x0000_s2692" name="Equation" r:id="rId21" imgW="419040" imgH="228600" progId="Equation.DSMT4">
+                <p:oleObj spid="_x0000_s2708" name="Equation" r:id="rId21" imgW="419040" imgH="228600" progId="Equation.DSMT4">
                   <p:embed/>
                 </p:oleObj>
               </mc:Choice>
@@ -4313,7 +4314,7 @@
           <a:graphicData uri="http://schemas.openxmlformats.org/presentationml/2006/ole">
             <mc:AlternateContent xmlns:mc="http://schemas.openxmlformats.org/markup-compatibility/2006">
               <mc:Choice xmlns:v="urn:schemas-microsoft-com:vml" Requires="v">
-                <p:oleObj spid="_x0000_s2693" name="Equation" r:id="rId23" imgW="152280" imgH="164880" progId="Equation.DSMT4">
+                <p:oleObj spid="_x0000_s2709" name="Equation" r:id="rId23" imgW="152280" imgH="164880" progId="Equation.DSMT4">
                   <p:embed/>
                 </p:oleObj>
               </mc:Choice>
@@ -4370,7 +4371,7 @@
           <a:graphicData uri="http://schemas.openxmlformats.org/presentationml/2006/ole">
             <mc:AlternateContent xmlns:mc="http://schemas.openxmlformats.org/markup-compatibility/2006">
               <mc:Choice xmlns:v="urn:schemas-microsoft-com:vml" Requires="v">
-                <p:oleObj spid="_x0000_s2694" name="Equation" r:id="rId25" imgW="203040" imgH="228600" progId="Equation.DSMT4">
+                <p:oleObj spid="_x0000_s2710" name="Equation" r:id="rId25" imgW="203040" imgH="228600" progId="Equation.DSMT4">
                   <p:embed/>
                 </p:oleObj>
               </mc:Choice>
@@ -4427,7 +4428,7 @@
           <a:graphicData uri="http://schemas.openxmlformats.org/presentationml/2006/ole">
             <mc:AlternateContent xmlns:mc="http://schemas.openxmlformats.org/markup-compatibility/2006">
               <mc:Choice xmlns:v="urn:schemas-microsoft-com:vml" Requires="v">
-                <p:oleObj spid="_x0000_s2695" name="Equation" r:id="rId27" imgW="380880" imgH="228600" progId="Equation.DSMT4">
+                <p:oleObj spid="_x0000_s2711" name="Equation" r:id="rId27" imgW="380880" imgH="228600" progId="Equation.DSMT4">
                   <p:embed/>
                 </p:oleObj>
               </mc:Choice>
@@ -4484,7 +4485,7 @@
           <a:graphicData uri="http://schemas.openxmlformats.org/presentationml/2006/ole">
             <mc:AlternateContent xmlns:mc="http://schemas.openxmlformats.org/markup-compatibility/2006">
               <mc:Choice xmlns:v="urn:schemas-microsoft-com:vml" Requires="v">
-                <p:oleObj spid="_x0000_s2696" name="Equation" r:id="rId29" imgW="177480" imgH="228600" progId="Equation.DSMT4">
+                <p:oleObj spid="_x0000_s2712" name="Equation" r:id="rId29" imgW="177480" imgH="228600" progId="Equation.DSMT4">
                   <p:embed/>
                 </p:oleObj>
               </mc:Choice>
@@ -4541,7 +4542,7 @@
           <a:graphicData uri="http://schemas.openxmlformats.org/presentationml/2006/ole">
             <mc:AlternateContent xmlns:mc="http://schemas.openxmlformats.org/markup-compatibility/2006">
               <mc:Choice xmlns:v="urn:schemas-microsoft-com:vml" Requires="v">
-                <p:oleObj spid="_x0000_s2697" name="Equation" r:id="rId31" imgW="317160" imgH="203040" progId="Equation.DSMT4">
+                <p:oleObj spid="_x0000_s2713" name="Equation" r:id="rId31" imgW="317160" imgH="203040" progId="Equation.DSMT4">
                   <p:embed/>
                 </p:oleObj>
               </mc:Choice>
@@ -4598,7 +4599,7 @@
           <a:graphicData uri="http://schemas.openxmlformats.org/presentationml/2006/ole">
             <mc:AlternateContent xmlns:mc="http://schemas.openxmlformats.org/markup-compatibility/2006">
               <mc:Choice xmlns:v="urn:schemas-microsoft-com:vml" Requires="v">
-                <p:oleObj spid="_x0000_s2698" name="Equation" r:id="rId33" imgW="139680" imgH="177480" progId="Equation.DSMT4">
+                <p:oleObj spid="_x0000_s2714" name="Equation" r:id="rId33" imgW="139680" imgH="177480" progId="Equation.DSMT4">
                   <p:embed/>
                 </p:oleObj>
               </mc:Choice>
@@ -4775,7 +4776,7 @@
           <a:graphicData uri="http://schemas.openxmlformats.org/presentationml/2006/ole">
             <mc:AlternateContent xmlns:mc="http://schemas.openxmlformats.org/markup-compatibility/2006">
               <mc:Choice xmlns:v="urn:schemas-microsoft-com:vml" Requires="v">
-                <p:oleObj spid="_x0000_s3341" name="Equation" r:id="rId3" imgW="1104840" imgH="355320" progId="Equation.DSMT4">
+                <p:oleObj spid="_x0000_s3348" name="Equation" r:id="rId3" imgW="1104840" imgH="355320" progId="Equation.DSMT4">
                   <p:embed/>
                 </p:oleObj>
               </mc:Choice>
@@ -4832,7 +4833,7 @@
           <a:graphicData uri="http://schemas.openxmlformats.org/presentationml/2006/ole">
             <mc:AlternateContent xmlns:mc="http://schemas.openxmlformats.org/markup-compatibility/2006">
               <mc:Choice xmlns:v="urn:schemas-microsoft-com:vml" Requires="v">
-                <p:oleObj spid="_x0000_s3342" name="Equation" r:id="rId5" imgW="88560" imgH="164880" progId="Equation.DSMT4">
+                <p:oleObj spid="_x0000_s3349" name="Equation" r:id="rId5" imgW="88560" imgH="164880" progId="Equation.DSMT4">
                   <p:embed/>
                 </p:oleObj>
               </mc:Choice>
@@ -4889,7 +4890,7 @@
           <a:graphicData uri="http://schemas.openxmlformats.org/presentationml/2006/ole">
             <mc:AlternateContent xmlns:mc="http://schemas.openxmlformats.org/markup-compatibility/2006">
               <mc:Choice xmlns:v="urn:schemas-microsoft-com:vml" Requires="v">
-                <p:oleObj spid="_x0000_s3343" name="Equation" r:id="rId7" imgW="317160" imgH="203040" progId="Equation.DSMT4">
+                <p:oleObj spid="_x0000_s3350" name="Equation" r:id="rId7" imgW="317160" imgH="203040" progId="Equation.DSMT4">
                   <p:embed/>
                 </p:oleObj>
               </mc:Choice>
@@ -4946,7 +4947,7 @@
           <a:graphicData uri="http://schemas.openxmlformats.org/presentationml/2006/ole">
             <mc:AlternateContent xmlns:mc="http://schemas.openxmlformats.org/markup-compatibility/2006">
               <mc:Choice xmlns:v="urn:schemas-microsoft-com:vml" Requires="v">
-                <p:oleObj spid="_x0000_s3344" name="Equation" r:id="rId9" imgW="88560" imgH="164880" progId="Equation.DSMT4">
+                <p:oleObj spid="_x0000_s3351" name="Equation" r:id="rId9" imgW="88560" imgH="164880" progId="Equation.DSMT4">
                   <p:embed/>
                 </p:oleObj>
               </mc:Choice>
@@ -5003,7 +5004,7 @@
           <a:graphicData uri="http://schemas.openxmlformats.org/presentationml/2006/ole">
             <mc:AlternateContent xmlns:mc="http://schemas.openxmlformats.org/markup-compatibility/2006">
               <mc:Choice xmlns:v="urn:schemas-microsoft-com:vml" Requires="v">
-                <p:oleObj spid="_x0000_s3345" name="Equation" r:id="rId11" imgW="406080" imgH="203040" progId="Equation.DSMT4">
+                <p:oleObj spid="_x0000_s3352" name="Equation" r:id="rId11" imgW="406080" imgH="203040" progId="Equation.DSMT4">
                   <p:embed/>
                 </p:oleObj>
               </mc:Choice>
@@ -5060,7 +5061,7 @@
           <a:graphicData uri="http://schemas.openxmlformats.org/presentationml/2006/ole">
             <mc:AlternateContent xmlns:mc="http://schemas.openxmlformats.org/markup-compatibility/2006">
               <mc:Choice xmlns:v="urn:schemas-microsoft-com:vml" Requires="v">
-                <p:oleObj spid="_x0000_s3346" name="Equation" r:id="rId13" imgW="88560" imgH="164880" progId="Equation.DSMT4">
+                <p:oleObj spid="_x0000_s3353" name="Equation" r:id="rId13" imgW="88560" imgH="164880" progId="Equation.DSMT4">
                   <p:embed/>
                 </p:oleObj>
               </mc:Choice>
@@ -5117,7 +5118,7 @@
           <a:graphicData uri="http://schemas.openxmlformats.org/presentationml/2006/ole">
             <mc:AlternateContent xmlns:mc="http://schemas.openxmlformats.org/markup-compatibility/2006">
               <mc:Choice xmlns:v="urn:schemas-microsoft-com:vml" Requires="v">
-                <p:oleObj spid="_x0000_s3347" name="Equation" r:id="rId15" imgW="126720" imgH="190440" progId="Equation.DSMT4">
+                <p:oleObj spid="_x0000_s3354" name="Equation" r:id="rId15" imgW="126720" imgH="190440" progId="Equation.DSMT4">
                   <p:embed/>
                 </p:oleObj>
               </mc:Choice>
@@ -5369,7 +5370,7 @@
           <a:graphicData uri="http://schemas.openxmlformats.org/presentationml/2006/ole">
             <mc:AlternateContent xmlns:mc="http://schemas.openxmlformats.org/markup-compatibility/2006">
               <mc:Choice xmlns:v="urn:schemas-microsoft-com:vml" Requires="v">
-                <p:oleObj spid="_x0000_s4626" name="Equation" r:id="rId3" imgW="177480" imgH="228600" progId="Equation.DSMT4">
+                <p:oleObj spid="_x0000_s4641" name="Equation" r:id="rId3" imgW="177480" imgH="228600" progId="Equation.DSMT4">
                   <p:embed/>
                 </p:oleObj>
               </mc:Choice>
@@ -5426,7 +5427,7 @@
           <a:graphicData uri="http://schemas.openxmlformats.org/presentationml/2006/ole">
             <mc:AlternateContent xmlns:mc="http://schemas.openxmlformats.org/markup-compatibility/2006">
               <mc:Choice xmlns:v="urn:schemas-microsoft-com:vml" Requires="v">
-                <p:oleObj spid="_x0000_s4627" name="Equation" r:id="rId5" imgW="152280" imgH="228600" progId="Equation.DSMT4">
+                <p:oleObj spid="_x0000_s4642" name="Equation" r:id="rId5" imgW="152280" imgH="228600" progId="Equation.DSMT4">
                   <p:embed/>
                 </p:oleObj>
               </mc:Choice>
@@ -5483,7 +5484,7 @@
           <a:graphicData uri="http://schemas.openxmlformats.org/presentationml/2006/ole">
             <mc:AlternateContent xmlns:mc="http://schemas.openxmlformats.org/markup-compatibility/2006">
               <mc:Choice xmlns:v="urn:schemas-microsoft-com:vml" Requires="v">
-                <p:oleObj spid="_x0000_s4628" name="Equation" r:id="rId7" imgW="114120" imgH="177480" progId="Equation.DSMT4">
+                <p:oleObj spid="_x0000_s4643" name="Equation" r:id="rId7" imgW="114120" imgH="177480" progId="Equation.DSMT4">
                   <p:embed/>
                 </p:oleObj>
               </mc:Choice>
@@ -5540,7 +5541,7 @@
           <a:graphicData uri="http://schemas.openxmlformats.org/presentationml/2006/ole">
             <mc:AlternateContent xmlns:mc="http://schemas.openxmlformats.org/markup-compatibility/2006">
               <mc:Choice xmlns:v="urn:schemas-microsoft-com:vml" Requires="v">
-                <p:oleObj spid="_x0000_s4629" name="Equation" r:id="rId9" imgW="152280" imgH="228600" progId="Equation.DSMT4">
+                <p:oleObj spid="_x0000_s4644" name="Equation" r:id="rId9" imgW="152280" imgH="228600" progId="Equation.DSMT4">
                   <p:embed/>
                 </p:oleObj>
               </mc:Choice>
@@ -5597,7 +5598,7 @@
           <a:graphicData uri="http://schemas.openxmlformats.org/presentationml/2006/ole">
             <mc:AlternateContent xmlns:mc="http://schemas.openxmlformats.org/markup-compatibility/2006">
               <mc:Choice xmlns:v="urn:schemas-microsoft-com:vml" Requires="v">
-                <p:oleObj spid="_x0000_s4630" name="Equation" r:id="rId11" imgW="596880" imgH="190440" progId="Equation.DSMT4">
+                <p:oleObj spid="_x0000_s4645" name="Equation" r:id="rId11" imgW="596880" imgH="190440" progId="Equation.DSMT4">
                   <p:embed/>
                 </p:oleObj>
               </mc:Choice>
@@ -5654,7 +5655,7 @@
           <a:graphicData uri="http://schemas.openxmlformats.org/presentationml/2006/ole">
             <mc:AlternateContent xmlns:mc="http://schemas.openxmlformats.org/markup-compatibility/2006">
               <mc:Choice xmlns:v="urn:schemas-microsoft-com:vml" Requires="v">
-                <p:oleObj spid="_x0000_s4631" name="Equation" r:id="rId13" imgW="152280" imgH="164880" progId="Equation.DSMT4">
+                <p:oleObj spid="_x0000_s4646" name="Equation" r:id="rId13" imgW="152280" imgH="164880" progId="Equation.DSMT4">
                   <p:embed/>
                 </p:oleObj>
               </mc:Choice>
@@ -5711,7 +5712,7 @@
           <a:graphicData uri="http://schemas.openxmlformats.org/presentationml/2006/ole">
             <mc:AlternateContent xmlns:mc="http://schemas.openxmlformats.org/markup-compatibility/2006">
               <mc:Choice xmlns:v="urn:schemas-microsoft-com:vml" Requires="v">
-                <p:oleObj spid="_x0000_s4632" name="Equation" r:id="rId15" imgW="419040" imgH="177480" progId="Equation.DSMT4">
+                <p:oleObj spid="_x0000_s4647" name="Equation" r:id="rId15" imgW="419040" imgH="177480" progId="Equation.DSMT4">
                   <p:embed/>
                 </p:oleObj>
               </mc:Choice>
@@ -5768,7 +5769,7 @@
           <a:graphicData uri="http://schemas.openxmlformats.org/presentationml/2006/ole">
             <mc:AlternateContent xmlns:mc="http://schemas.openxmlformats.org/markup-compatibility/2006">
               <mc:Choice xmlns:v="urn:schemas-microsoft-com:vml" Requires="v">
-                <p:oleObj spid="_x0000_s4633" name="Equation" r:id="rId17" imgW="177480" imgH="177480" progId="Equation.DSMT4">
+                <p:oleObj spid="_x0000_s4648" name="Equation" r:id="rId17" imgW="177480" imgH="177480" progId="Equation.DSMT4">
                   <p:embed/>
                 </p:oleObj>
               </mc:Choice>
@@ -5825,7 +5826,7 @@
           <a:graphicData uri="http://schemas.openxmlformats.org/presentationml/2006/ole">
             <mc:AlternateContent xmlns:mc="http://schemas.openxmlformats.org/markup-compatibility/2006">
               <mc:Choice xmlns:v="urn:schemas-microsoft-com:vml" Requires="v">
-                <p:oleObj spid="_x0000_s4634" name="Equation" r:id="rId19" imgW="177480" imgH="164880" progId="Equation.DSMT4">
+                <p:oleObj spid="_x0000_s4649" name="Equation" r:id="rId19" imgW="177480" imgH="164880" progId="Equation.DSMT4">
                   <p:embed/>
                 </p:oleObj>
               </mc:Choice>
@@ -5882,7 +5883,7 @@
           <a:graphicData uri="http://schemas.openxmlformats.org/presentationml/2006/ole">
             <mc:AlternateContent xmlns:mc="http://schemas.openxmlformats.org/markup-compatibility/2006">
               <mc:Choice xmlns:v="urn:schemas-microsoft-com:vml" Requires="v">
-                <p:oleObj spid="_x0000_s4635" name="Equation" r:id="rId21" imgW="342720" imgH="177480" progId="Equation.DSMT4">
+                <p:oleObj spid="_x0000_s4650" name="Equation" r:id="rId21" imgW="342720" imgH="177480" progId="Equation.DSMT4">
                   <p:embed/>
                 </p:oleObj>
               </mc:Choice>
@@ -5939,7 +5940,7 @@
           <a:graphicData uri="http://schemas.openxmlformats.org/presentationml/2006/ole">
             <mc:AlternateContent xmlns:mc="http://schemas.openxmlformats.org/markup-compatibility/2006">
               <mc:Choice xmlns:v="urn:schemas-microsoft-com:vml" Requires="v">
-                <p:oleObj spid="_x0000_s4636" name="Equation" r:id="rId23" imgW="393480" imgH="241200" progId="Equation.DSMT4">
+                <p:oleObj spid="_x0000_s4651" name="Equation" r:id="rId23" imgW="393480" imgH="241200" progId="Equation.DSMT4">
                   <p:embed/>
                 </p:oleObj>
               </mc:Choice>
@@ -5996,7 +5997,7 @@
           <a:graphicData uri="http://schemas.openxmlformats.org/presentationml/2006/ole">
             <mc:AlternateContent xmlns:mc="http://schemas.openxmlformats.org/markup-compatibility/2006">
               <mc:Choice xmlns:v="urn:schemas-microsoft-com:vml" Requires="v">
-                <p:oleObj spid="_x0000_s4637" name="Equation" r:id="rId25" imgW="88560" imgH="164880" progId="Equation.DSMT4">
+                <p:oleObj spid="_x0000_s4652" name="Equation" r:id="rId25" imgW="88560" imgH="164880" progId="Equation.DSMT4">
                   <p:embed/>
                 </p:oleObj>
               </mc:Choice>
@@ -6053,7 +6054,7 @@
           <a:graphicData uri="http://schemas.openxmlformats.org/presentationml/2006/ole">
             <mc:AlternateContent xmlns:mc="http://schemas.openxmlformats.org/markup-compatibility/2006">
               <mc:Choice xmlns:v="urn:schemas-microsoft-com:vml" Requires="v">
-                <p:oleObj spid="_x0000_s4638" name="Equation" r:id="rId27" imgW="419040" imgH="241200" progId="Equation.DSMT4">
+                <p:oleObj spid="_x0000_s4653" name="Equation" r:id="rId27" imgW="419040" imgH="241200" progId="Equation.DSMT4">
                   <p:embed/>
                 </p:oleObj>
               </mc:Choice>
@@ -6110,7 +6111,7 @@
           <a:graphicData uri="http://schemas.openxmlformats.org/presentationml/2006/ole">
             <mc:AlternateContent xmlns:mc="http://schemas.openxmlformats.org/markup-compatibility/2006">
               <mc:Choice xmlns:v="urn:schemas-microsoft-com:vml" Requires="v">
-                <p:oleObj spid="_x0000_s4639" name="Equation" r:id="rId29" imgW="152280" imgH="228600" progId="Equation.DSMT4">
+                <p:oleObj spid="_x0000_s4654" name="Equation" r:id="rId29" imgW="152280" imgH="228600" progId="Equation.DSMT4">
                   <p:embed/>
                 </p:oleObj>
               </mc:Choice>
@@ -6167,7 +6168,7 @@
           <a:graphicData uri="http://schemas.openxmlformats.org/presentationml/2006/ole">
             <mc:AlternateContent xmlns:mc="http://schemas.openxmlformats.org/markup-compatibility/2006">
               <mc:Choice xmlns:v="urn:schemas-microsoft-com:vml" Requires="v">
-                <p:oleObj spid="_x0000_s4640" name="Equation" r:id="rId31" imgW="88560" imgH="164880" progId="Equation.DSMT4">
+                <p:oleObj spid="_x0000_s4655" name="Equation" r:id="rId31" imgW="88560" imgH="164880" progId="Equation.DSMT4">
                   <p:embed/>
                 </p:oleObj>
               </mc:Choice>
@@ -6850,7 +6851,7 @@
           <a:graphicData uri="http://schemas.openxmlformats.org/presentationml/2006/ole">
             <mc:AlternateContent xmlns:mc="http://schemas.openxmlformats.org/markup-compatibility/2006">
               <mc:Choice xmlns:v="urn:schemas-microsoft-com:vml" Requires="v">
-                <p:oleObj spid="_x0000_s1328" name="Equation" r:id="rId3" imgW="939600" imgH="431640" progId="Equation.DSMT4">
+                <p:oleObj spid="_x0000_s1335" name="Equation" r:id="rId3" imgW="939600" imgH="431640" progId="Equation.DSMT4">
                   <p:embed/>
                 </p:oleObj>
               </mc:Choice>
@@ -6907,7 +6908,7 @@
           <a:graphicData uri="http://schemas.openxmlformats.org/presentationml/2006/ole">
             <mc:AlternateContent xmlns:mc="http://schemas.openxmlformats.org/markup-compatibility/2006">
               <mc:Choice xmlns:v="urn:schemas-microsoft-com:vml" Requires="v">
-                <p:oleObj spid="_x0000_s1329" name="Equation" r:id="rId5" imgW="647640" imgH="634680" progId="Equation.DSMT4">
+                <p:oleObj spid="_x0000_s1336" name="Equation" r:id="rId5" imgW="647640" imgH="634680" progId="Equation.DSMT4">
                   <p:embed/>
                 </p:oleObj>
               </mc:Choice>
@@ -6964,7 +6965,7 @@
           <a:graphicData uri="http://schemas.openxmlformats.org/presentationml/2006/ole">
             <mc:AlternateContent xmlns:mc="http://schemas.openxmlformats.org/markup-compatibility/2006">
               <mc:Choice xmlns:v="urn:schemas-microsoft-com:vml" Requires="v">
-                <p:oleObj spid="_x0000_s1330" name="Equation" r:id="rId7" imgW="139680" imgH="228600" progId="Equation.DSMT4">
+                <p:oleObj spid="_x0000_s1337" name="Equation" r:id="rId7" imgW="139680" imgH="228600" progId="Equation.DSMT4">
                   <p:embed/>
                 </p:oleObj>
               </mc:Choice>
@@ -7021,7 +7022,7 @@
           <a:graphicData uri="http://schemas.openxmlformats.org/presentationml/2006/ole">
             <mc:AlternateContent xmlns:mc="http://schemas.openxmlformats.org/markup-compatibility/2006">
               <mc:Choice xmlns:v="urn:schemas-microsoft-com:vml" Requires="v">
-                <p:oleObj spid="_x0000_s1331" name="Equation" r:id="rId9" imgW="88560" imgH="164880" progId="Equation.DSMT4">
+                <p:oleObj spid="_x0000_s1338" name="Equation" r:id="rId9" imgW="88560" imgH="164880" progId="Equation.DSMT4">
                   <p:embed/>
                 </p:oleObj>
               </mc:Choice>
@@ -7078,7 +7079,7 @@
           <a:graphicData uri="http://schemas.openxmlformats.org/presentationml/2006/ole">
             <mc:AlternateContent xmlns:mc="http://schemas.openxmlformats.org/markup-compatibility/2006">
               <mc:Choice xmlns:v="urn:schemas-microsoft-com:vml" Requires="v">
-                <p:oleObj spid="_x0000_s1332" name="Equation" r:id="rId11" imgW="114120" imgH="177480" progId="Equation.DSMT4">
+                <p:oleObj spid="_x0000_s1339" name="Equation" r:id="rId11" imgW="114120" imgH="177480" progId="Equation.DSMT4">
                   <p:embed/>
                 </p:oleObj>
               </mc:Choice>
@@ -7135,7 +7136,7 @@
           <a:graphicData uri="http://schemas.openxmlformats.org/presentationml/2006/ole">
             <mc:AlternateContent xmlns:mc="http://schemas.openxmlformats.org/markup-compatibility/2006">
               <mc:Choice xmlns:v="urn:schemas-microsoft-com:vml" Requires="v">
-                <p:oleObj spid="_x0000_s1333" name="Equation" r:id="rId13" imgW="1295280" imgH="457200" progId="Equation.DSMT4">
+                <p:oleObj spid="_x0000_s1340" name="Equation" r:id="rId13" imgW="1295280" imgH="457200" progId="Equation.DSMT4">
                   <p:embed/>
                 </p:oleObj>
               </mc:Choice>
@@ -7192,7 +7193,7 @@
           <a:graphicData uri="http://schemas.openxmlformats.org/presentationml/2006/ole">
             <mc:AlternateContent xmlns:mc="http://schemas.openxmlformats.org/markup-compatibility/2006">
               <mc:Choice xmlns:v="urn:schemas-microsoft-com:vml" Requires="v">
-                <p:oleObj spid="_x0000_s1334" name="Equation" r:id="rId15" imgW="177480" imgH="241200" progId="Equation.DSMT4">
+                <p:oleObj spid="_x0000_s1341" name="Equation" r:id="rId15" imgW="177480" imgH="241200" progId="Equation.DSMT4">
                   <p:embed/>
                 </p:oleObj>
               </mc:Choice>
@@ -8511,7 +8512,7 @@
           <a:graphicData uri="http://schemas.openxmlformats.org/presentationml/2006/ole">
             <mc:AlternateContent xmlns:mc="http://schemas.openxmlformats.org/markup-compatibility/2006">
               <mc:Choice xmlns:v="urn:schemas-microsoft-com:vml" Requires="v">
-                <p:oleObj spid="_x0000_s5401" name="Equation" r:id="rId3" imgW="876240" imgH="228600" progId="Equation.DSMT4">
+                <p:oleObj spid="_x0000_s5411" name="Equation" r:id="rId3" imgW="876240" imgH="228600" progId="Equation.DSMT4">
                   <p:embed/>
                 </p:oleObj>
               </mc:Choice>
@@ -8568,7 +8569,7 @@
           <a:graphicData uri="http://schemas.openxmlformats.org/presentationml/2006/ole">
             <mc:AlternateContent xmlns:mc="http://schemas.openxmlformats.org/markup-compatibility/2006">
               <mc:Choice xmlns:v="urn:schemas-microsoft-com:vml" Requires="v">
-                <p:oleObj spid="_x0000_s5402" name="Equation" r:id="rId5" imgW="139680" imgH="164880" progId="Equation.DSMT4">
+                <p:oleObj spid="_x0000_s5412" name="Equation" r:id="rId5" imgW="139680" imgH="164880" progId="Equation.DSMT4">
                   <p:embed/>
                 </p:oleObj>
               </mc:Choice>
@@ -8625,7 +8626,7 @@
           <a:graphicData uri="http://schemas.openxmlformats.org/presentationml/2006/ole">
             <mc:AlternateContent xmlns:mc="http://schemas.openxmlformats.org/markup-compatibility/2006">
               <mc:Choice xmlns:v="urn:schemas-microsoft-com:vml" Requires="v">
-                <p:oleObj spid="_x0000_s5403" name="Equation" r:id="rId7" imgW="914400" imgH="431640" progId="Equation.DSMT4">
+                <p:oleObj spid="_x0000_s5413" name="Equation" r:id="rId7" imgW="914400" imgH="431640" progId="Equation.DSMT4">
                   <p:embed/>
                 </p:oleObj>
               </mc:Choice>
@@ -8682,7 +8683,7 @@
           <a:graphicData uri="http://schemas.openxmlformats.org/presentationml/2006/ole">
             <mc:AlternateContent xmlns:mc="http://schemas.openxmlformats.org/markup-compatibility/2006">
               <mc:Choice xmlns:v="urn:schemas-microsoft-com:vml" Requires="v">
-                <p:oleObj spid="_x0000_s5404" name="Equation" r:id="rId9" imgW="152280" imgH="164880" progId="Equation.DSMT4">
+                <p:oleObj spid="_x0000_s5414" name="Equation" r:id="rId9" imgW="152280" imgH="164880" progId="Equation.DSMT4">
                   <p:embed/>
                 </p:oleObj>
               </mc:Choice>
@@ -8739,7 +8740,7 @@
           <a:graphicData uri="http://schemas.openxmlformats.org/presentationml/2006/ole">
             <mc:AlternateContent xmlns:mc="http://schemas.openxmlformats.org/markup-compatibility/2006">
               <mc:Choice xmlns:v="urn:schemas-microsoft-com:vml" Requires="v">
-                <p:oleObj spid="_x0000_s5405" name="Equation" r:id="rId11" imgW="152280" imgH="164880" progId="Equation.DSMT4">
+                <p:oleObj spid="_x0000_s5415" name="Equation" r:id="rId11" imgW="152280" imgH="164880" progId="Equation.DSMT4">
                   <p:embed/>
                 </p:oleObj>
               </mc:Choice>
@@ -8796,7 +8797,7 @@
           <a:graphicData uri="http://schemas.openxmlformats.org/presentationml/2006/ole">
             <mc:AlternateContent xmlns:mc="http://schemas.openxmlformats.org/markup-compatibility/2006">
               <mc:Choice xmlns:v="urn:schemas-microsoft-com:vml" Requires="v">
-                <p:oleObj spid="_x0000_s5406" name="Equation" r:id="rId13" imgW="1485720" imgH="469800" progId="Equation.DSMT4">
+                <p:oleObj spid="_x0000_s5416" name="Equation" r:id="rId13" imgW="1485720" imgH="469800" progId="Equation.DSMT4">
                   <p:embed/>
                 </p:oleObj>
               </mc:Choice>
@@ -8853,7 +8854,7 @@
           <a:graphicData uri="http://schemas.openxmlformats.org/presentationml/2006/ole">
             <mc:AlternateContent xmlns:mc="http://schemas.openxmlformats.org/markup-compatibility/2006">
               <mc:Choice xmlns:v="urn:schemas-microsoft-com:vml" Requires="v">
-                <p:oleObj spid="_x0000_s5407" name="Equation" r:id="rId15" imgW="152280" imgH="164880" progId="Equation.DSMT4">
+                <p:oleObj spid="_x0000_s5417" name="Equation" r:id="rId15" imgW="152280" imgH="164880" progId="Equation.DSMT4">
                   <p:embed/>
                 </p:oleObj>
               </mc:Choice>
@@ -8910,7 +8911,7 @@
           <a:graphicData uri="http://schemas.openxmlformats.org/presentationml/2006/ole">
             <mc:AlternateContent xmlns:mc="http://schemas.openxmlformats.org/markup-compatibility/2006">
               <mc:Choice xmlns:v="urn:schemas-microsoft-com:vml" Requires="v">
-                <p:oleObj spid="_x0000_s5408" name="Equation" r:id="rId17" imgW="152280" imgH="203040" progId="Equation.DSMT4">
+                <p:oleObj spid="_x0000_s5418" name="Equation" r:id="rId17" imgW="152280" imgH="203040" progId="Equation.DSMT4">
                   <p:embed/>
                 </p:oleObj>
               </mc:Choice>
@@ -8967,7 +8968,7 @@
           <a:graphicData uri="http://schemas.openxmlformats.org/presentationml/2006/ole">
             <mc:AlternateContent xmlns:mc="http://schemas.openxmlformats.org/markup-compatibility/2006">
               <mc:Choice xmlns:v="urn:schemas-microsoft-com:vml" Requires="v">
-                <p:oleObj spid="_x0000_s5409" name="Equation" r:id="rId19" imgW="152280" imgH="139680" progId="Equation.DSMT4">
+                <p:oleObj spid="_x0000_s5419" name="Equation" r:id="rId19" imgW="152280" imgH="139680" progId="Equation.DSMT4">
                   <p:embed/>
                 </p:oleObj>
               </mc:Choice>
@@ -9024,7 +9025,7 @@
           <a:graphicData uri="http://schemas.openxmlformats.org/presentationml/2006/ole">
             <mc:AlternateContent xmlns:mc="http://schemas.openxmlformats.org/markup-compatibility/2006">
               <mc:Choice xmlns:v="urn:schemas-microsoft-com:vml" Requires="v">
-                <p:oleObj spid="_x0000_s5410" name="Equation" r:id="rId21" imgW="152280" imgH="139680" progId="Equation.DSMT4">
+                <p:oleObj spid="_x0000_s5420" name="Equation" r:id="rId21" imgW="152280" imgH="139680" progId="Equation.DSMT4">
                   <p:embed/>
                 </p:oleObj>
               </mc:Choice>
@@ -9839,7 +9840,7 @@
           <a:graphicData uri="http://schemas.openxmlformats.org/presentationml/2006/ole">
             <mc:AlternateContent xmlns:mc="http://schemas.openxmlformats.org/markup-compatibility/2006">
               <mc:Choice xmlns:v="urn:schemas-microsoft-com:vml" Requires="v">
-                <p:oleObj spid="_x0000_s6155" name="Visio" r:id="rId3" imgW="3901440" imgH="2148693" progId="Visio.Drawing.15">
+                <p:oleObj spid="_x0000_s6156" name="Visio" r:id="rId3" imgW="3901440" imgH="2148693" progId="Visio.Drawing.15">
                   <p:embed/>
                 </p:oleObj>
               </mc:Choice>
@@ -10863,6 +10864,92 @@
     <p:extLst>
       <p:ext uri="{BB962C8B-B14F-4D97-AF65-F5344CB8AC3E}">
         <p14:creationId xmlns:p14="http://schemas.microsoft.com/office/powerpoint/2010/main" val="2191548039"/>
+      </p:ext>
+    </p:extLst>
+  </p:cSld>
+  <p:clrMapOvr>
+    <a:masterClrMapping/>
+  </p:clrMapOvr>
+</p:sld>
+</file>
+
+<file path=ppt/slides/slide36.xml><?xml version="1.0" encoding="utf-8"?>
+<p:sld xmlns:a="http://schemas.openxmlformats.org/drawingml/2006/main" xmlns:r="http://schemas.openxmlformats.org/officeDocument/2006/relationships" xmlns:p="http://schemas.openxmlformats.org/presentationml/2006/main">
+  <p:cSld>
+    <p:spTree>
+      <p:nvGrpSpPr>
+        <p:cNvPr id="1" name=""/>
+        <p:cNvGrpSpPr/>
+        <p:nvPr/>
+      </p:nvGrpSpPr>
+      <p:grpSpPr>
+        <a:xfrm>
+          <a:off x="0" y="0"/>
+          <a:ext cx="0" cy="0"/>
+          <a:chOff x="0" y="0"/>
+          <a:chExt cx="0" cy="0"/>
+        </a:xfrm>
+      </p:grpSpPr>
+      <p:sp>
+        <p:nvSpPr>
+          <p:cNvPr id="2" name="标题 1"/>
+          <p:cNvSpPr>
+            <a:spLocks noGrp="1"/>
+          </p:cNvSpPr>
+          <p:nvPr>
+            <p:ph type="title"/>
+          </p:nvPr>
+        </p:nvSpPr>
+        <p:spPr/>
+        <p:txBody>
+          <a:bodyPr/>
+          <a:lstStyle/>
+          <a:p>
+            <a:r>
+              <a:rPr lang="en-US" altLang="zh-CN" dirty="0" smtClean="0"/>
+              <a:t>1.3.4.9</a:t>
+            </a:r>
+            <a:r>
+              <a:rPr lang="zh-CN" altLang="en-US" dirty="0" smtClean="0"/>
+              <a:t>负荷节点在平衡点处的灵敏度趋势</a:t>
+            </a:r>
+            <a:endParaRPr lang="zh-CN" altLang="en-US" dirty="0"/>
+          </a:p>
+        </p:txBody>
+      </p:sp>
+      <p:pic>
+        <p:nvPicPr>
+          <p:cNvPr id="4" name="内容占位符 3"/>
+          <p:cNvPicPr>
+            <a:picLocks noGrp="1" noChangeAspect="1"/>
+          </p:cNvPicPr>
+          <p:nvPr>
+            <p:ph idx="1"/>
+          </p:nvPr>
+        </p:nvPicPr>
+        <p:blipFill>
+          <a:blip r:embed="rId2">
+            <a:extLst>
+              <a:ext uri="{28A0092B-C50C-407E-A947-70E740481C1C}">
+                <a14:useLocalDpi xmlns:a14="http://schemas.microsoft.com/office/drawing/2010/main" val="0"/>
+              </a:ext>
+            </a:extLst>
+          </a:blip>
+          <a:stretch>
+            <a:fillRect/>
+          </a:stretch>
+        </p:blipFill>
+        <p:spPr>
+          <a:xfrm>
+            <a:off x="2692750" y="1430451"/>
+            <a:ext cx="6760254" cy="5069170"/>
+          </a:xfrm>
+        </p:spPr>
+      </p:pic>
+    </p:spTree>
+    <p:extLst>
+      <p:ext uri="{BB962C8B-B14F-4D97-AF65-F5344CB8AC3E}">
+        <p14:creationId xmlns:p14="http://schemas.microsoft.com/office/powerpoint/2010/main" val="124179725"/>
       </p:ext>
     </p:extLst>
   </p:cSld>
